--- a/APRE3.pptx
+++ b/APRE3.pptx
@@ -4923,253 +4923,31 @@
           </a:p>
         </p:txBody>
       </p:sp>
-      <mc:AlternateContent xmlns:mc="http://schemas.openxmlformats.org/markup-compatibility/2006">
-        <mc:Choice xmlns:a14="http://schemas.microsoft.com/office/drawing/2010/main" Requires="a14">
-          <p:sp>
-            <p:nvSpPr>
-              <p:cNvPr id="3" name="Content Placeholder 2"/>
-              <p:cNvSpPr>
-                <a:spLocks noGrp="1"/>
-              </p:cNvSpPr>
-              <p:nvPr>
-                <p:ph idx="1"/>
-              </p:nvPr>
-            </p:nvSpPr>
-            <p:spPr/>
-            <p:txBody>
-              <a:bodyPr/>
-              <a:lstStyle/>
-              <a:p>
-                <a:pPr lvl="0" indent="0" marL="0">
-                  <a:buNone/>
-                </a:pPr>
-                <a:r>
-                  <a:rPr/>
-                  <a:t>A composição isotópica de carbono e nitrogênio das amostras pode ser calculada usando as seguintes equações:</a:t>
-                </a:r>
-              </a:p>
-              <a:p>
-                <a:pPr lvl="0" indent="0" marL="0">
-                  <a:buNone/>
-                </a:pPr>
-                <a14:m>
-                  <m:oMathPara xmlns:m="http://schemas.openxmlformats.org/officeDocument/2006/math">
-                    <m:oMathParaPr>
-                      <m:jc m:val="center"/>
-                    </m:oMathParaPr>
-                    <m:oMath>
-                      <m:sSup>
-                        <m:e>
-                          <m:r>
-                            <m:t>δ</m:t>
-                          </m:r>
-                        </m:e>
-                        <m:sup>
-                          <m:r>
-                            <m:t>13</m:t>
-                          </m:r>
-                        </m:sup>
-                      </m:sSup>
-                      <m:r>
-                        <m:rPr>
-                          <m:nor/>
-                          <m:sty m:val="p"/>
-                        </m:rPr>
-                        <m:t>C</m:t>
-                      </m:r>
-                      <m:d>
-                        <m:dPr>
-                          <m:begChr m:val="("/>
-                          <m:endChr m:val=")"/>
-                          <m:sepChr m:val=""/>
-                          <m:grow/>
-                        </m:dPr>
-                        <m:e>
-                          <m:r>
-                            <m:rPr>
-                              <m:nor/>
-                              <m:sty m:val="p"/>
-                            </m:rPr>
-                            <m:t>‰</m:t>
-                          </m:r>
-                        </m:e>
-                      </m:d>
-                      <m:r>
-                        <m:rPr>
-                          <m:sty m:val="p"/>
-                        </m:rPr>
-                        <m:t>=</m:t>
-                      </m:r>
-                      <m:d>
-                        <m:dPr>
-                          <m:begChr m:val="("/>
-                          <m:endChr m:val=")"/>
-                          <m:sepChr m:val=""/>
-                          <m:grow/>
-                        </m:dPr>
-                        <m:e>
-                          <m:f>
-                            <m:fPr>
-                              <m:type m:val="bar"/>
-                            </m:fPr>
-                            <m:num>
-                              <m:sSub>
-                                <m:e>
-                                  <m:sSup>
-                                    <m:e>
-                                      <m:r>
-                                        <m:t>​</m:t>
-                                      </m:r>
-                                    </m:e>
-                                    <m:sup>
-                                      <m:r>
-                                        <m:t>13</m:t>
-                                      </m:r>
-                                    </m:sup>
-                                  </m:sSup>
-                                  <m:r>
-                                    <m:rPr>
-                                      <m:nor/>
-                                      <m:sty m:val="p"/>
-                                    </m:rPr>
-                                    <m:t>C</m:t>
-                                  </m:r>
-                                  <m:sSup>
-                                    <m:e>
-                                      <m:r>
-                                        <m:rPr>
-                                          <m:sty m:val="p"/>
-                                        </m:rPr>
-                                        <m:t>/</m:t>
-                                      </m:r>
-                                    </m:e>
-                                    <m:sup>
-                                      <m:r>
-                                        <m:t>12</m:t>
-                                      </m:r>
-                                    </m:sup>
-                                  </m:sSup>
-                                  <m:r>
-                                    <m:rPr>
-                                      <m:nor/>
-                                      <m:sty m:val="p"/>
-                                    </m:rPr>
-                                    <m:t>C</m:t>
-                                  </m:r>
-                                </m:e>
-                                <m:sub>
-                                  <m:r>
-                                    <m:rPr>
-                                      <m:nor/>
-                                      <m:sty m:val="p"/>
-                                    </m:rPr>
-                                    <m:t>amostra</m:t>
-                                  </m:r>
-                                </m:sub>
-                              </m:sSub>
-                            </m:num>
-                            <m:den>
-                              <m:sSub>
-                                <m:e>
-                                  <m:sSup>
-                                    <m:e>
-                                      <m:r>
-                                        <m:t>​</m:t>
-                                      </m:r>
-                                    </m:e>
-                                    <m:sup>
-                                      <m:r>
-                                        <m:t>13</m:t>
-                                      </m:r>
-                                    </m:sup>
-                                  </m:sSup>
-                                  <m:r>
-                                    <m:rPr>
-                                      <m:nor/>
-                                      <m:sty m:val="p"/>
-                                    </m:rPr>
-                                    <m:t>C</m:t>
-                                  </m:r>
-                                  <m:sSup>
-                                    <m:e>
-                                      <m:r>
-                                        <m:rPr>
-                                          <m:sty m:val="p"/>
-                                        </m:rPr>
-                                        <m:t>/</m:t>
-                                      </m:r>
-                                    </m:e>
-                                    <m:sup>
-                                      <m:r>
-                                        <m:t>12</m:t>
-                                      </m:r>
-                                    </m:sup>
-                                  </m:sSup>
-                                  <m:r>
-                                    <m:rPr>
-                                      <m:nor/>
-                                      <m:sty m:val="p"/>
-                                    </m:rPr>
-                                    <m:t>C</m:t>
-                                  </m:r>
-                                </m:e>
-                                <m:sub>
-                                  <m:r>
-                                    <m:rPr>
-                                      <m:nor/>
-                                      <m:sty m:val="p"/>
-                                    </m:rPr>
-                                    <m:t>padrão</m:t>
-                                  </m:r>
-                                </m:sub>
-                              </m:sSub>
-                            </m:den>
-                          </m:f>
-                          <m:r>
-                            <m:rPr>
-                              <m:sty m:val="p"/>
-                            </m:rPr>
-                            <m:t>−</m:t>
-                          </m:r>
-                          <m:r>
-                            <m:t>1</m:t>
-                          </m:r>
-                        </m:e>
-                      </m:d>
-                      <m:r>
-                        <m:rPr>
-                          <m:sty m:val="p"/>
-                        </m:rPr>
-                        <m:t>×</m:t>
-                      </m:r>
-                      <m:r>
-                        <m:t>1000</m:t>
-                      </m:r>
-                    </m:oMath>
-                  </m:oMathPara>
-                </a14:m>
-              </a:p>
-              <a:p>
-                <a:pPr lvl="0" indent="0" marL="0">
-                  <a:buNone/>
-                </a:pPr>
-                <a:r>
-                  <a:rPr/>
-                  <a:t>$$ ^{15} () = ( \frac{{</a:t>
-                </a:r>
-                <a:r>
-                  <a:rPr baseline="30000"/>
-                  <a:t>{15}</a:t>
-                </a:r>
-                <a:r>
-                  <a:rPr/>
-                  <a:t>/{14}}_{\text{amostra ::contentReferenceoaicite:0</a:t>
-                </a:r>
-              </a:p>
-            </p:txBody>
-          </p:sp>
-        </mc:Choice>
-      </mc:AlternateContent>
+      <p:sp>
+        <p:nvSpPr>
+          <p:cNvPr id="3" name="Content Placeholder 2"/>
+          <p:cNvSpPr>
+            <a:spLocks noGrp="1"/>
+          </p:cNvSpPr>
+          <p:nvPr>
+            <p:ph idx="1"/>
+          </p:nvPr>
+        </p:nvSpPr>
+        <p:spPr/>
+        <p:txBody>
+          <a:bodyPr/>
+          <a:lstStyle/>
+          <a:p>
+            <a:pPr lvl="0" indent="0" marL="0">
+              <a:buNone/>
+            </a:pPr>
+            <a:r>
+              <a:rPr/>
+              <a:t>A composição isotópica de carbono e nitrogênio das amostras pode ser calculada usando as seguintes equações:</a:t>
+            </a:r>
+          </a:p>
+        </p:txBody>
+      </p:sp>
     </p:spTree>
   </p:cSld>
 </p:sld>
